--- a/PPTs/L0.2 Computer and Assembly Language.pptx
+++ b/PPTs/L0.2 Computer and Assembly Language.pptx
@@ -162,7 +162,7 @@
 <file path=ppt/revisionInfo.xml><?xml version="1.0" encoding="utf-8"?>
 <p1510:revInfo xmlns:a="http://schemas.openxmlformats.org/drawingml/2006/main" xmlns:r="http://schemas.openxmlformats.org/officeDocument/2006/relationships" xmlns:p1510="http://schemas.microsoft.com/office/powerpoint/2015/10/main">
   <p1510:revLst>
-    <p1510:client id="{9BF7BDBF-BCF8-4038-BBD9-BAC0DEE71364}" v="155" dt="2025-09-04T19:33:24.908"/>
+    <p1510:client id="{9BF7BDBF-BCF8-4038-BBD9-BAC0DEE71364}" v="156" dt="2025-09-04T23:27:01.641"/>
     <p1510:client id="{C56A109E-BA90-450E-AD22-29C90992335C}" v="6" dt="2025-09-04T18:52:44.163"/>
   </p1510:revLst>
 </p1510:revInfo>
@@ -172,11 +172,41 @@
 <pc:chgInfo xmlns:a="http://schemas.openxmlformats.org/drawingml/2006/main" xmlns:r="http://schemas.openxmlformats.org/officeDocument/2006/relationships" xmlns:ac="http://schemas.microsoft.com/office/drawing/2013/main/command" xmlns:pc="http://schemas.microsoft.com/office/powerpoint/2013/main/command">
   <pc:docChgLst>
     <pc:chgData name="Zonghua Gu" userId="9a7e1853e1951ef5" providerId="LiveId" clId="{CF1FAA12-072C-4ED5-BA76-0FFFAEFDB88A}"/>
-    <pc:docChg chg="addSld modSld">
-      <pc:chgData name="Zonghua Gu" userId="9a7e1853e1951ef5" providerId="LiveId" clId="{CF1FAA12-072C-4ED5-BA76-0FFFAEFDB88A}" dt="2025-09-04T19:33:24.908" v="152" actId="478"/>
+    <pc:docChg chg="custSel addSld modSld">
+      <pc:chgData name="Zonghua Gu" userId="9a7e1853e1951ef5" providerId="LiveId" clId="{CF1FAA12-072C-4ED5-BA76-0FFFAEFDB88A}" dt="2025-09-04T23:28:53" v="270" actId="1076"/>
       <pc:docMkLst>
         <pc:docMk/>
       </pc:docMkLst>
+      <pc:sldChg chg="modSp mod">
+        <pc:chgData name="Zonghua Gu" userId="9a7e1853e1951ef5" providerId="LiveId" clId="{CF1FAA12-072C-4ED5-BA76-0FFFAEFDB88A}" dt="2025-09-04T23:27:00.480" v="153" actId="21"/>
+        <pc:sldMkLst>
+          <pc:docMk/>
+          <pc:sldMk cId="0" sldId="285"/>
+        </pc:sldMkLst>
+        <pc:spChg chg="mod">
+          <ac:chgData name="Zonghua Gu" userId="9a7e1853e1951ef5" providerId="LiveId" clId="{CF1FAA12-072C-4ED5-BA76-0FFFAEFDB88A}" dt="2025-09-04T23:27:00.480" v="153" actId="21"/>
+          <ac:spMkLst>
+            <pc:docMk/>
+            <pc:sldMk cId="0" sldId="285"/>
+            <ac:spMk id="7" creationId="{00000000-0000-0000-0000-000000000000}"/>
+          </ac:spMkLst>
+        </pc:spChg>
+      </pc:sldChg>
+      <pc:sldChg chg="modSp mod">
+        <pc:chgData name="Zonghua Gu" userId="9a7e1853e1951ef5" providerId="LiveId" clId="{CF1FAA12-072C-4ED5-BA76-0FFFAEFDB88A}" dt="2025-09-04T23:28:53" v="270" actId="1076"/>
+        <pc:sldMkLst>
+          <pc:docMk/>
+          <pc:sldMk cId="2951795929" sldId="330"/>
+        </pc:sldMkLst>
+        <pc:spChg chg="mod">
+          <ac:chgData name="Zonghua Gu" userId="9a7e1853e1951ef5" providerId="LiveId" clId="{CF1FAA12-072C-4ED5-BA76-0FFFAEFDB88A}" dt="2025-09-04T23:28:53" v="270" actId="1076"/>
+          <ac:spMkLst>
+            <pc:docMk/>
+            <pc:sldMk cId="2951795929" sldId="330"/>
+            <ac:spMk id="4" creationId="{41348574-9425-45A8-91E6-E9DB86C164CE}"/>
+          </ac:spMkLst>
+        </pc:spChg>
+      </pc:sldChg>
       <pc:sldChg chg="delSp modSp add">
         <pc:chgData name="Zonghua Gu" userId="9a7e1853e1951ef5" providerId="LiveId" clId="{CF1FAA12-072C-4ED5-BA76-0FFFAEFDB88A}" dt="2025-09-04T19:33:24.908" v="152" actId="478"/>
         <pc:sldMkLst>
@@ -685,6 +715,35 @@
           <a:bodyPr/>
           <a:lstStyle/>
           <a:p>
+            <a:r>
+              <a:rPr lang="en-US" dirty="0">
+                <a:solidFill>
+                  <a:srgbClr val="C00000"/>
+                </a:solidFill>
+                <a:latin typeface="Consolas" panose="020B0609020204030204" pitchFamily="49" charset="0"/>
+                <a:cs typeface="Consolas" panose="020B0609020204030204" pitchFamily="49" charset="0"/>
+              </a:rPr>
+              <a:t>or </a:t>
+            </a:r>
+          </a:p>
+          <a:p>
+            <a:r>
+              <a:rPr lang="en-US" dirty="0">
+                <a:solidFill>
+                  <a:srgbClr val="C00000"/>
+                </a:solidFill>
+                <a:latin typeface="Consolas" panose="020B0609020204030204" pitchFamily="49" charset="0"/>
+                <a:cs typeface="Consolas" panose="020B0609020204030204" pitchFamily="49" charset="0"/>
+              </a:rPr>
+              <a:t>2000188B or 8B180020  </a:t>
+            </a:r>
+            <a:endParaRPr lang="en-US" dirty="0">
+              <a:solidFill>
+                <a:srgbClr val="C00000"/>
+              </a:solidFill>
+            </a:endParaRPr>
+          </a:p>
+          <a:p>
             <a:endParaRPr lang="en-US" dirty="0"/>
           </a:p>
         </p:txBody>
@@ -707,7 +766,7 @@
             <a:fld id="{1B0C9D69-9831-4844-8B1E-062B2DA58B0D}" type="slidenum">
               <a:rPr lang="en-US" smtClean="0"/>
               <a:pPr/>
-              <a:t>22</a:t>
+              <a:t>12</a:t>
             </a:fld>
             <a:endParaRPr lang="en-US"/>
           </a:p>
@@ -716,7 +775,7 @@
     </p:spTree>
     <p:extLst>
       <p:ext uri="{BB962C8B-B14F-4D97-AF65-F5344CB8AC3E}">
-        <p14:creationId xmlns:p14="http://schemas.microsoft.com/office/powerpoint/2010/main" val="2739946891"/>
+        <p14:creationId xmlns:p14="http://schemas.microsoft.com/office/powerpoint/2010/main" val="4188567515"/>
       </p:ext>
     </p:extLst>
   </p:cSld>
@@ -753,12 +812,7 @@
             <p:ph type="sldImg"/>
           </p:nvPr>
         </p:nvSpPr>
-        <p:spPr>
-          <a:xfrm>
-            <a:off x="2286000" y="514350"/>
-            <a:ext cx="4572000" cy="2571750"/>
-          </a:xfrm>
-        </p:spPr>
+        <p:spPr/>
       </p:sp>
       <p:sp>
         <p:nvSpPr>
@@ -775,72 +829,6 @@
           <a:bodyPr/>
           <a:lstStyle/>
           <a:p>
-            <a:r>
-              <a:rPr lang="en-US" sz="1200" kern="1200" dirty="0">
-                <a:solidFill>
-                  <a:schemeClr val="tx1"/>
-                </a:solidFill>
-                <a:effectLst/>
-                <a:latin typeface="+mn-lt"/>
-                <a:ea typeface="+mn-ea"/>
-                <a:cs typeface="+mn-cs"/>
-              </a:rPr>
-              <a:t>#define     __I     volatile </a:t>
-            </a:r>
-            <a:r>
-              <a:rPr lang="en-US" sz="1200" kern="1200" dirty="0" err="1">
-                <a:solidFill>
-                  <a:schemeClr val="tx1"/>
-                </a:solidFill>
-                <a:effectLst/>
-                <a:latin typeface="+mn-lt"/>
-                <a:ea typeface="+mn-ea"/>
-                <a:cs typeface="+mn-cs"/>
-              </a:rPr>
-              <a:t>const</a:t>
-            </a:r>
-            <a:r>
-              <a:rPr lang="en-US" sz="1200" kern="1200" dirty="0">
-                <a:solidFill>
-                  <a:schemeClr val="tx1"/>
-                </a:solidFill>
-                <a:effectLst/>
-                <a:latin typeface="+mn-lt"/>
-                <a:ea typeface="+mn-ea"/>
-                <a:cs typeface="+mn-cs"/>
-              </a:rPr>
-              <a:t>    /*!&lt; defines 'read only' permissions      */</a:t>
-            </a:r>
-          </a:p>
-          <a:p>
-            <a:r>
-              <a:rPr lang="en-US" sz="1200" kern="1200" dirty="0">
-                <a:solidFill>
-                  <a:schemeClr val="tx1"/>
-                </a:solidFill>
-                <a:effectLst/>
-                <a:latin typeface="+mn-lt"/>
-                <a:ea typeface="+mn-ea"/>
-                <a:cs typeface="+mn-cs"/>
-              </a:rPr>
-              <a:t>#define     __O     volatile          /*!&lt; defines 'write only' permissions     */</a:t>
-            </a:r>
-          </a:p>
-          <a:p>
-            <a:r>
-              <a:rPr lang="en-US" sz="1200" kern="1200" dirty="0">
-                <a:solidFill>
-                  <a:schemeClr val="tx1"/>
-                </a:solidFill>
-                <a:effectLst/>
-                <a:latin typeface="+mn-lt"/>
-                <a:ea typeface="+mn-ea"/>
-                <a:cs typeface="+mn-cs"/>
-              </a:rPr>
-              <a:t>#define     __IO    volatile          /*!&lt; defines 'read / write' permissions   */</a:t>
-            </a:r>
-          </a:p>
-          <a:p>
             <a:endParaRPr lang="en-US" dirty="0"/>
           </a:p>
         </p:txBody>
@@ -852,7 +840,7 @@
             <a:spLocks noGrp="1"/>
           </p:cNvSpPr>
           <p:nvPr>
-            <p:ph type="sldNum" sz="quarter" idx="10"/>
+            <p:ph type="sldNum" sz="quarter" idx="5"/>
           </p:nvPr>
         </p:nvSpPr>
         <p:spPr/>
@@ -863,7 +851,7 @@
             <a:fld id="{1B0C9D69-9831-4844-8B1E-062B2DA58B0D}" type="slidenum">
               <a:rPr lang="en-US" smtClean="0"/>
               <a:pPr/>
-              <a:t>26</a:t>
+              <a:t>22</a:t>
             </a:fld>
             <a:endParaRPr lang="en-US"/>
           </a:p>
@@ -872,7 +860,7 @@
     </p:spTree>
     <p:extLst>
       <p:ext uri="{BB962C8B-B14F-4D97-AF65-F5344CB8AC3E}">
-        <p14:creationId xmlns:p14="http://schemas.microsoft.com/office/powerpoint/2010/main" val="987505479"/>
+        <p14:creationId xmlns:p14="http://schemas.microsoft.com/office/powerpoint/2010/main" val="2739946891"/>
       </p:ext>
     </p:extLst>
   </p:cSld>
@@ -1019,7 +1007,7 @@
             <a:fld id="{1B0C9D69-9831-4844-8B1E-062B2DA58B0D}" type="slidenum">
               <a:rPr lang="en-US" smtClean="0"/>
               <a:pPr/>
-              <a:t>27</a:t>
+              <a:t>26</a:t>
             </a:fld>
             <a:endParaRPr lang="en-US"/>
           </a:p>
@@ -1175,7 +1163,7 @@
             <a:fld id="{1B0C9D69-9831-4844-8B1E-062B2DA58B0D}" type="slidenum">
               <a:rPr lang="en-US" smtClean="0"/>
               <a:pPr/>
-              <a:t>28</a:t>
+              <a:t>27</a:t>
             </a:fld>
             <a:endParaRPr lang="en-US"/>
           </a:p>
@@ -1213,6 +1201,162 @@
       </p:grpSpPr>
       <p:sp>
         <p:nvSpPr>
+          <p:cNvPr id="2" name="Slide Image Placeholder 1"/>
+          <p:cNvSpPr>
+            <a:spLocks noGrp="1" noRot="1" noChangeAspect="1"/>
+          </p:cNvSpPr>
+          <p:nvPr>
+            <p:ph type="sldImg"/>
+          </p:nvPr>
+        </p:nvSpPr>
+        <p:spPr>
+          <a:xfrm>
+            <a:off x="2286000" y="514350"/>
+            <a:ext cx="4572000" cy="2571750"/>
+          </a:xfrm>
+        </p:spPr>
+      </p:sp>
+      <p:sp>
+        <p:nvSpPr>
+          <p:cNvPr id="3" name="Notes Placeholder 2"/>
+          <p:cNvSpPr>
+            <a:spLocks noGrp="1"/>
+          </p:cNvSpPr>
+          <p:nvPr>
+            <p:ph type="body" idx="1"/>
+          </p:nvPr>
+        </p:nvSpPr>
+        <p:spPr/>
+        <p:txBody>
+          <a:bodyPr/>
+          <a:lstStyle/>
+          <a:p>
+            <a:r>
+              <a:rPr lang="en-US" sz="1200" kern="1200" dirty="0">
+                <a:solidFill>
+                  <a:schemeClr val="tx1"/>
+                </a:solidFill>
+                <a:effectLst/>
+                <a:latin typeface="+mn-lt"/>
+                <a:ea typeface="+mn-ea"/>
+                <a:cs typeface="+mn-cs"/>
+              </a:rPr>
+              <a:t>#define     __I     volatile </a:t>
+            </a:r>
+            <a:r>
+              <a:rPr lang="en-US" sz="1200" kern="1200" dirty="0" err="1">
+                <a:solidFill>
+                  <a:schemeClr val="tx1"/>
+                </a:solidFill>
+                <a:effectLst/>
+                <a:latin typeface="+mn-lt"/>
+                <a:ea typeface="+mn-ea"/>
+                <a:cs typeface="+mn-cs"/>
+              </a:rPr>
+              <a:t>const</a:t>
+            </a:r>
+            <a:r>
+              <a:rPr lang="en-US" sz="1200" kern="1200" dirty="0">
+                <a:solidFill>
+                  <a:schemeClr val="tx1"/>
+                </a:solidFill>
+                <a:effectLst/>
+                <a:latin typeface="+mn-lt"/>
+                <a:ea typeface="+mn-ea"/>
+                <a:cs typeface="+mn-cs"/>
+              </a:rPr>
+              <a:t>    /*!&lt; defines 'read only' permissions      */</a:t>
+            </a:r>
+          </a:p>
+          <a:p>
+            <a:r>
+              <a:rPr lang="en-US" sz="1200" kern="1200" dirty="0">
+                <a:solidFill>
+                  <a:schemeClr val="tx1"/>
+                </a:solidFill>
+                <a:effectLst/>
+                <a:latin typeface="+mn-lt"/>
+                <a:ea typeface="+mn-ea"/>
+                <a:cs typeface="+mn-cs"/>
+              </a:rPr>
+              <a:t>#define     __O     volatile          /*!&lt; defines 'write only' permissions     */</a:t>
+            </a:r>
+          </a:p>
+          <a:p>
+            <a:r>
+              <a:rPr lang="en-US" sz="1200" kern="1200" dirty="0">
+                <a:solidFill>
+                  <a:schemeClr val="tx1"/>
+                </a:solidFill>
+                <a:effectLst/>
+                <a:latin typeface="+mn-lt"/>
+                <a:ea typeface="+mn-ea"/>
+                <a:cs typeface="+mn-cs"/>
+              </a:rPr>
+              <a:t>#define     __IO    volatile          /*!&lt; defines 'read / write' permissions   */</a:t>
+            </a:r>
+          </a:p>
+          <a:p>
+            <a:endParaRPr lang="en-US" dirty="0"/>
+          </a:p>
+        </p:txBody>
+      </p:sp>
+      <p:sp>
+        <p:nvSpPr>
+          <p:cNvPr id="4" name="Slide Number Placeholder 3"/>
+          <p:cNvSpPr>
+            <a:spLocks noGrp="1"/>
+          </p:cNvSpPr>
+          <p:nvPr>
+            <p:ph type="sldNum" sz="quarter" idx="10"/>
+          </p:nvPr>
+        </p:nvSpPr>
+        <p:spPr/>
+        <p:txBody>
+          <a:bodyPr/>
+          <a:lstStyle/>
+          <a:p>
+            <a:fld id="{1B0C9D69-9831-4844-8B1E-062B2DA58B0D}" type="slidenum">
+              <a:rPr lang="en-US" smtClean="0"/>
+              <a:pPr/>
+              <a:t>28</a:t>
+            </a:fld>
+            <a:endParaRPr lang="en-US"/>
+          </a:p>
+        </p:txBody>
+      </p:sp>
+    </p:spTree>
+    <p:extLst>
+      <p:ext uri="{BB962C8B-B14F-4D97-AF65-F5344CB8AC3E}">
+        <p14:creationId xmlns:p14="http://schemas.microsoft.com/office/powerpoint/2010/main" val="987505479"/>
+      </p:ext>
+    </p:extLst>
+  </p:cSld>
+  <p:clrMapOvr>
+    <a:masterClrMapping/>
+  </p:clrMapOvr>
+</p:notes>
+</file>
+
+<file path=ppt/notesSlides/notesSlide7.xml><?xml version="1.0" encoding="utf-8"?>
+<p:notes xmlns:a="http://schemas.openxmlformats.org/drawingml/2006/main" xmlns:r="http://schemas.openxmlformats.org/officeDocument/2006/relationships" xmlns:p="http://schemas.openxmlformats.org/presentationml/2006/main">
+  <p:cSld>
+    <p:spTree>
+      <p:nvGrpSpPr>
+        <p:cNvPr id="1" name=""/>
+        <p:cNvGrpSpPr/>
+        <p:nvPr/>
+      </p:nvGrpSpPr>
+      <p:grpSpPr>
+        <a:xfrm>
+          <a:off x="0" y="0"/>
+          <a:ext cx="0" cy="0"/>
+          <a:chOff x="0" y="0"/>
+          <a:chExt cx="0" cy="0"/>
+        </a:xfrm>
+      </p:grpSpPr>
+      <p:sp>
+        <p:nvSpPr>
           <p:cNvPr id="9218" name="Rectangle 3"/>
           <p:cNvSpPr>
             <a:spLocks noGrp="1" noChangeArrowheads="1"/>
@@ -1341,7 +1485,7 @@
 </p:notes>
 </file>
 
-<file path=ppt/notesSlides/notesSlide7.xml><?xml version="1.0" encoding="utf-8"?>
+<file path=ppt/notesSlides/notesSlide8.xml><?xml version="1.0" encoding="utf-8"?>
 <p:notes xmlns:a="http://schemas.openxmlformats.org/drawingml/2006/main" xmlns:r="http://schemas.openxmlformats.org/officeDocument/2006/relationships" xmlns:p="http://schemas.openxmlformats.org/presentationml/2006/main">
   <p:cSld>
     <p:spTree>
@@ -8304,7 +8448,7 @@
         <p:spPr>
           <a:xfrm>
             <a:off x="6842206" y="4707731"/>
-            <a:ext cx="2970685" cy="923330"/>
+            <a:ext cx="1994457" cy="646331"/>
           </a:xfrm>
           <a:prstGeom prst="rect">
             <a:avLst/>
@@ -8363,28 +8507,6 @@
                 <a:cs typeface="Consolas" panose="020B0609020204030204" pitchFamily="49" charset="0"/>
               </a:rPr>
               <a:t>188B</a:t>
-            </a:r>
-            <a:r>
-              <a:rPr lang="en-US" dirty="0">
-                <a:solidFill>
-                  <a:srgbClr val="C00000"/>
-                </a:solidFill>
-                <a:latin typeface="Consolas" panose="020B0609020204030204" pitchFamily="49" charset="0"/>
-                <a:cs typeface="Consolas" panose="020B0609020204030204" pitchFamily="49" charset="0"/>
-              </a:rPr>
-              <a:t> or </a:t>
-            </a:r>
-          </a:p>
-          <a:p>
-            <a:r>
-              <a:rPr lang="en-US" dirty="0">
-                <a:solidFill>
-                  <a:srgbClr val="C00000"/>
-                </a:solidFill>
-                <a:latin typeface="Consolas" panose="020B0609020204030204" pitchFamily="49" charset="0"/>
-                <a:cs typeface="Consolas" panose="020B0609020204030204" pitchFamily="49" charset="0"/>
-              </a:rPr>
-              <a:t>2000188B or 8B180020  </a:t>
             </a:r>
             <a:endParaRPr lang="en-US" dirty="0">
               <a:solidFill>
@@ -8966,8 +9088,8 @@
         </p:nvSpPr>
         <p:spPr>
           <a:xfrm>
-            <a:off x="4267200" y="5867400"/>
-            <a:ext cx="3332964" cy="369332"/>
+            <a:off x="3038190" y="5861149"/>
+            <a:ext cx="5818581" cy="646331"/>
           </a:xfrm>
           <a:prstGeom prst="rect">
             <a:avLst/>
@@ -9002,7 +9124,17 @@
                   <a:schemeClr val="accent1"/>
                 </a:solidFill>
               </a:rPr>
-              <a:t> instructions</a:t>
+              <a:t> instructions (each instruction fetch</a:t>
+            </a:r>
+          </a:p>
+          <a:p>
+            <a:r>
+              <a:rPr lang="en-US" b="1" dirty="0">
+                <a:solidFill>
+                  <a:schemeClr val="accent1"/>
+                </a:solidFill>
+              </a:rPr>
+              <a:t>brings in 32 bits, two 16-bit instructions)</a:t>
             </a:r>
           </a:p>
         </p:txBody>

--- a/PPTs/L0.2 Computer and Assembly Language.pptx
+++ b/PPTs/L0.2 Computer and Assembly Language.pptx
@@ -163,7 +163,6 @@
 <p1510:revInfo xmlns:a="http://schemas.openxmlformats.org/drawingml/2006/main" xmlns:r="http://schemas.openxmlformats.org/officeDocument/2006/relationships" xmlns:p1510="http://schemas.microsoft.com/office/powerpoint/2015/10/main">
   <p1510:revLst>
     <p1510:client id="{9BF7BDBF-BCF8-4038-BBD9-BAC0DEE71364}" v="156" dt="2025-09-04T23:27:01.641"/>
-    <p1510:client id="{C56A109E-BA90-450E-AD22-29C90992335C}" v="6" dt="2025-09-04T18:52:44.163"/>
   </p1510:revLst>
 </p1510:revInfo>
 </file>
@@ -172,11 +171,42 @@
 <pc:chgInfo xmlns:a="http://schemas.openxmlformats.org/drawingml/2006/main" xmlns:r="http://schemas.openxmlformats.org/officeDocument/2006/relationships" xmlns:ac="http://schemas.microsoft.com/office/drawing/2013/main/command" xmlns:pc="http://schemas.microsoft.com/office/powerpoint/2013/main/command">
   <pc:docChgLst>
     <pc:chgData name="Zonghua Gu" userId="9a7e1853e1951ef5" providerId="LiveId" clId="{CF1FAA12-072C-4ED5-BA76-0FFFAEFDB88A}"/>
-    <pc:docChg chg="custSel addSld modSld">
-      <pc:chgData name="Zonghua Gu" userId="9a7e1853e1951ef5" providerId="LiveId" clId="{CF1FAA12-072C-4ED5-BA76-0FFFAEFDB88A}" dt="2025-09-04T23:28:53" v="270" actId="1076"/>
+    <pc:docChg chg="undo custSel addSld modSld">
+      <pc:chgData name="Zonghua Gu" userId="9a7e1853e1951ef5" providerId="LiveId" clId="{CF1FAA12-072C-4ED5-BA76-0FFFAEFDB88A}" dt="2025-09-18T17:51:10.226" v="277" actId="478"/>
       <pc:docMkLst>
         <pc:docMk/>
       </pc:docMkLst>
+      <pc:sldChg chg="addSp delSp modSp mod">
+        <pc:chgData name="Zonghua Gu" userId="9a7e1853e1951ef5" providerId="LiveId" clId="{CF1FAA12-072C-4ED5-BA76-0FFFAEFDB88A}" dt="2025-09-18T17:51:10.226" v="277" actId="478"/>
+        <pc:sldMkLst>
+          <pc:docMk/>
+          <pc:sldMk cId="1227639730" sldId="256"/>
+        </pc:sldMkLst>
+        <pc:spChg chg="del mod">
+          <ac:chgData name="Zonghua Gu" userId="9a7e1853e1951ef5" providerId="LiveId" clId="{CF1FAA12-072C-4ED5-BA76-0FFFAEFDB88A}" dt="2025-09-18T17:51:07.718" v="276" actId="478"/>
+          <ac:spMkLst>
+            <pc:docMk/>
+            <pc:sldMk cId="1227639730" sldId="256"/>
+            <ac:spMk id="2" creationId="{00000000-0000-0000-0000-000000000000}"/>
+          </ac:spMkLst>
+        </pc:spChg>
+        <pc:spChg chg="add del mod">
+          <ac:chgData name="Zonghua Gu" userId="9a7e1853e1951ef5" providerId="LiveId" clId="{CF1FAA12-072C-4ED5-BA76-0FFFAEFDB88A}" dt="2025-09-18T17:51:10.226" v="277" actId="478"/>
+          <ac:spMkLst>
+            <pc:docMk/>
+            <pc:sldMk cId="1227639730" sldId="256"/>
+            <ac:spMk id="8" creationId="{FD022FD8-BE98-F82A-0E45-EBC0FFB033B1}"/>
+          </ac:spMkLst>
+        </pc:spChg>
+        <pc:spChg chg="mod">
+          <ac:chgData name="Zonghua Gu" userId="9a7e1853e1951ef5" providerId="LiveId" clId="{CF1FAA12-072C-4ED5-BA76-0FFFAEFDB88A}" dt="2025-09-18T17:50:59.700" v="274" actId="20577"/>
+          <ac:spMkLst>
+            <pc:docMk/>
+            <pc:sldMk cId="1227639730" sldId="256"/>
+            <ac:spMk id="11" creationId="{A950AF61-E22F-B40C-FB60-A35C53D05D61}"/>
+          </ac:spMkLst>
+        </pc:spChg>
+      </pc:sldChg>
       <pc:sldChg chg="modSp mod">
         <pc:chgData name="Zonghua Gu" userId="9a7e1853e1951ef5" providerId="LiveId" clId="{CF1FAA12-072C-4ED5-BA76-0FFFAEFDB88A}" dt="2025-09-04T23:27:00.480" v="153" actId="21"/>
         <pc:sldMkLst>
@@ -213,14 +243,6 @@
           <pc:docMk/>
           <pc:sldMk cId="369676877" sldId="786"/>
         </pc:sldMkLst>
-        <pc:spChg chg="del">
-          <ac:chgData name="Zonghua Gu" userId="9a7e1853e1951ef5" providerId="LiveId" clId="{CF1FAA12-072C-4ED5-BA76-0FFFAEFDB88A}" dt="2025-09-04T19:33:24.908" v="152" actId="478"/>
-          <ac:spMkLst>
-            <pc:docMk/>
-            <pc:sldMk cId="369676877" sldId="786"/>
-            <ac:spMk id="3" creationId="{00000000-0000-0000-0000-000000000000}"/>
-          </ac:spMkLst>
-        </pc:spChg>
         <pc:spChg chg="mod">
           <ac:chgData name="Zonghua Gu" userId="9a7e1853e1951ef5" providerId="LiveId" clId="{CF1FAA12-072C-4ED5-BA76-0FFFAEFDB88A}" dt="2025-09-04T19:33:18.149" v="151" actId="20577"/>
           <ac:spMkLst>
@@ -318,7 +340,7 @@
             <a:fld id="{3AC3A17A-95E8-4381-B66B-5D6DE2B3048A}" type="datetimeFigureOut">
               <a:rPr lang="en-US" smtClean="0"/>
               <a:pPr/>
-              <a:t>9/4/2025</a:t>
+              <a:t>9/18/2025</a:t>
             </a:fld>
             <a:endParaRPr lang="en-US"/>
           </a:p>
@@ -1378,7 +1400,7 @@
                 <a:cs typeface="Arial" charset="0"/>
               </a:rPr>
               <a:pPr/>
-              <a:t>9/4/2025</a:t>
+              <a:t>9/18/2025</a:t>
             </a:fld>
             <a:endParaRPr lang="en-US">
               <a:latin typeface="Arial" charset="0"/>
@@ -1717,7 +1739,7 @@
             <a:pPr eaLnBrk="1" latinLnBrk="0" hangingPunct="1"/>
             <a:fld id="{3B6732A1-8A50-42D0-9FB5-A7CC4F887D83}" type="datetime1">
               <a:rPr lang="en-US" smtClean="0"/>
-              <a:t>9/4/2025</a:t>
+              <a:t>9/18/2025</a:t>
             </a:fld>
             <a:endParaRPr lang="en-US" sz="1600" dirty="0"/>
           </a:p>
@@ -2077,7 +2099,7 @@
             <a:pPr eaLnBrk="1" latinLnBrk="0" hangingPunct="1"/>
             <a:fld id="{932F6112-2530-4960-AA07-04E672D1E722}" type="datetime1">
               <a:rPr lang="en-US" smtClean="0"/>
-              <a:t>9/4/2025</a:t>
+              <a:t>9/18/2025</a:t>
             </a:fld>
             <a:endParaRPr lang="en-US"/>
           </a:p>
@@ -2253,7 +2275,7 @@
             <a:pPr eaLnBrk="1" latinLnBrk="0" hangingPunct="1"/>
             <a:fld id="{896A6EFF-8172-426D-9AC7-B0DD95EEE533}" type="datetime1">
               <a:rPr lang="en-US" smtClean="0"/>
-              <a:t>9/4/2025</a:t>
+              <a:t>9/18/2025</a:t>
             </a:fld>
             <a:endParaRPr lang="en-US"/>
           </a:p>
@@ -2489,7 +2511,7 @@
             <a:pPr eaLnBrk="1" latinLnBrk="0" hangingPunct="1"/>
             <a:fld id="{44B809B3-6A2C-46CF-98AB-C7B45372B065}" type="datetime1">
               <a:rPr lang="en-US" smtClean="0"/>
-              <a:t>9/4/2025</a:t>
+              <a:t>9/18/2025</a:t>
             </a:fld>
             <a:endParaRPr lang="en-US" dirty="0"/>
           </a:p>
@@ -2759,7 +2781,7 @@
             <a:pPr eaLnBrk="1" latinLnBrk="0" hangingPunct="1"/>
             <a:fld id="{C191117F-3CD7-4767-AEE5-49A060274EAA}" type="datetime1">
               <a:rPr lang="en-US" smtClean="0"/>
-              <a:t>9/4/2025</a:t>
+              <a:t>9/18/2025</a:t>
             </a:fld>
             <a:endParaRPr lang="en-US" dirty="0"/>
           </a:p>
@@ -2980,7 +3002,7 @@
             <a:pPr eaLnBrk="1" latinLnBrk="0" hangingPunct="1"/>
             <a:fld id="{47B8C5CE-9DF7-4BB4-863A-6E277DDC03D4}" type="datetime1">
               <a:rPr lang="en-US" smtClean="0"/>
-              <a:t>9/4/2025</a:t>
+              <a:t>9/18/2025</a:t>
             </a:fld>
             <a:endParaRPr lang="en-US"/>
           </a:p>
@@ -3333,7 +3355,7 @@
             <a:pPr eaLnBrk="1" latinLnBrk="0" hangingPunct="1"/>
             <a:fld id="{5EE11402-9D83-40E7-9253-0548CE63EB94}" type="datetime1">
               <a:rPr lang="en-US" smtClean="0"/>
-              <a:t>9/4/2025</a:t>
+              <a:t>9/18/2025</a:t>
             </a:fld>
             <a:endParaRPr lang="en-US"/>
           </a:p>
@@ -3566,7 +3588,7 @@
             <a:pPr eaLnBrk="1" latinLnBrk="0" hangingPunct="1"/>
             <a:fld id="{0C0C8811-C7DA-4658-BB60-F635F9220CDF}" type="datetime1">
               <a:rPr lang="en-US" smtClean="0"/>
-              <a:t>9/4/2025</a:t>
+              <a:t>9/18/2025</a:t>
             </a:fld>
             <a:endParaRPr lang="en-US"/>
           </a:p>
@@ -3708,7 +3730,7 @@
             <a:pPr eaLnBrk="1" latinLnBrk="0" hangingPunct="1"/>
             <a:fld id="{2EB38FCF-5E28-44CB-A212-D3E75CA77D8D}" type="datetime1">
               <a:rPr lang="en-US" smtClean="0"/>
-              <a:t>9/4/2025</a:t>
+              <a:t>9/18/2025</a:t>
             </a:fld>
             <a:endParaRPr lang="en-US"/>
           </a:p>
@@ -3986,7 +4008,7 @@
             <a:pPr eaLnBrk="1" latinLnBrk="0" hangingPunct="1"/>
             <a:fld id="{755FE7C6-0DE5-4400-A2DD-37AB2CB98797}" type="datetime1">
               <a:rPr lang="en-US" smtClean="0"/>
-              <a:t>9/4/2025</a:t>
+              <a:t>9/18/2025</a:t>
             </a:fld>
             <a:endParaRPr lang="en-US"/>
           </a:p>
@@ -4394,7 +4416,7 @@
             <a:pPr eaLnBrk="1" latinLnBrk="0" hangingPunct="1"/>
             <a:fld id="{7312819A-A7E0-496A-9C6B-0FBBF375D97B}" type="datetime1">
               <a:rPr lang="en-US" smtClean="0"/>
-              <a:t>9/4/2025</a:t>
+              <a:t>9/18/2025</a:t>
             </a:fld>
             <a:endParaRPr lang="en-US"/>
           </a:p>
@@ -4732,7 +4754,7 @@
             <a:pPr eaLnBrk="1" latinLnBrk="0" hangingPunct="1"/>
             <a:fld id="{0259BA2E-082A-4ACD-AA34-4B617DF5D259}" type="datetime1">
               <a:rPr lang="en-US" smtClean="0"/>
-              <a:t>9/4/2025</a:t>
+              <a:t>9/18/2025</a:t>
             </a:fld>
             <a:endParaRPr lang="en-US" sz="1400" dirty="0">
               <a:solidFill>
@@ -5281,30 +5303,6 @@
       </p:grpSpPr>
       <p:sp>
         <p:nvSpPr>
-          <p:cNvPr id="2" name="Title 1"/>
-          <p:cNvSpPr>
-            <a:spLocks noGrp="1"/>
-          </p:cNvSpPr>
-          <p:nvPr>
-            <p:ph type="ctrTitle"/>
-          </p:nvPr>
-        </p:nvSpPr>
-        <p:spPr/>
-        <p:txBody>
-          <a:bodyPr>
-            <a:noAutofit/>
-          </a:bodyPr>
-          <a:lstStyle/>
-          <a:p>
-            <a:r>
-              <a:rPr lang="en-US" sz="2000" dirty="0"/>
-              <a:t>Zonghua Gu</a:t>
-            </a:r>
-          </a:p>
-        </p:txBody>
-      </p:sp>
-      <p:sp>
-        <p:nvSpPr>
           <p:cNvPr id="3" name="Subtitle 2"/>
           <p:cNvSpPr>
             <a:spLocks noGrp="1"/>
@@ -5472,7 +5470,7 @@
           <a:p>
             <a:r>
               <a:rPr lang="en-US" sz="2000" dirty="0"/>
-              <a:t>Zonghua Gu</a:t>
+              <a:t>Z. Gu</a:t>
             </a:r>
             <a:endParaRPr lang="en-US" sz="2000" b="1" dirty="0">
               <a:solidFill>
